--- a/Présentation projet.pptx
+++ b/Présentation projet.pptx
@@ -9,8 +9,9 @@
     <p:sldId id="257" r:id="rId3"/>
     <p:sldId id="258" r:id="rId4"/>
     <p:sldId id="259" r:id="rId5"/>
-    <p:sldId id="260" r:id="rId6"/>
-    <p:sldId id="261" r:id="rId7"/>
+    <p:sldId id="262" r:id="rId6"/>
+    <p:sldId id="260" r:id="rId7"/>
+    <p:sldId id="261" r:id="rId8"/>
   </p:sldIdLst>
   <p:sldSz cx="12192000" cy="6858000"/>
   <p:notesSz cx="6858000" cy="9144000"/>
@@ -287,7 +288,7 @@
           <a:p>
             <a:fld id="{B8276DAD-75C9-44FB-9654-B8D72D1B3212}" type="datetimeFigureOut">
               <a:rPr lang="fr-NC" smtClean="0"/>
-              <a:t>18/04/2023</a:t>
+              <a:t>19/04/2023</a:t>
             </a:fld>
             <a:endParaRPr lang="fr-NC" dirty="0"/>
           </a:p>
@@ -554,7 +555,7 @@
           <a:p>
             <a:fld id="{B8276DAD-75C9-44FB-9654-B8D72D1B3212}" type="datetimeFigureOut">
               <a:rPr lang="fr-NC" smtClean="0"/>
-              <a:t>18/04/2023</a:t>
+              <a:t>19/04/2023</a:t>
             </a:fld>
             <a:endParaRPr lang="fr-NC" dirty="0"/>
           </a:p>
@@ -785,7 +786,7 @@
           <a:p>
             <a:fld id="{B8276DAD-75C9-44FB-9654-B8D72D1B3212}" type="datetimeFigureOut">
               <a:rPr lang="fr-NC" smtClean="0"/>
-              <a:t>18/04/2023</a:t>
+              <a:t>19/04/2023</a:t>
             </a:fld>
             <a:endParaRPr lang="fr-NC" dirty="0"/>
           </a:p>
@@ -1095,7 +1096,7 @@
           <a:p>
             <a:fld id="{B8276DAD-75C9-44FB-9654-B8D72D1B3212}" type="datetimeFigureOut">
               <a:rPr lang="fr-NC" smtClean="0"/>
-              <a:t>18/04/2023</a:t>
+              <a:t>19/04/2023</a:t>
             </a:fld>
             <a:endParaRPr lang="fr-NC" dirty="0"/>
           </a:p>
@@ -1568,7 +1569,7 @@
           <a:p>
             <a:fld id="{B8276DAD-75C9-44FB-9654-B8D72D1B3212}" type="datetimeFigureOut">
               <a:rPr lang="fr-NC" smtClean="0"/>
-              <a:t>18/04/2023</a:t>
+              <a:t>19/04/2023</a:t>
             </a:fld>
             <a:endParaRPr lang="fr-NC" dirty="0"/>
           </a:p>
@@ -2115,7 +2116,7 @@
           <a:p>
             <a:fld id="{B8276DAD-75C9-44FB-9654-B8D72D1B3212}" type="datetimeFigureOut">
               <a:rPr lang="fr-NC" smtClean="0"/>
-              <a:t>18/04/2023</a:t>
+              <a:t>19/04/2023</a:t>
             </a:fld>
             <a:endParaRPr lang="fr-NC" dirty="0"/>
           </a:p>
@@ -2889,7 +2890,7 @@
           <a:p>
             <a:fld id="{B8276DAD-75C9-44FB-9654-B8D72D1B3212}" type="datetimeFigureOut">
               <a:rPr lang="fr-NC" smtClean="0"/>
-              <a:t>18/04/2023</a:t>
+              <a:t>19/04/2023</a:t>
             </a:fld>
             <a:endParaRPr lang="fr-NC" dirty="0"/>
           </a:p>
@@ -3064,7 +3065,7 @@
           <a:p>
             <a:fld id="{B8276DAD-75C9-44FB-9654-B8D72D1B3212}" type="datetimeFigureOut">
               <a:rPr lang="fr-NC" smtClean="0"/>
-              <a:t>18/04/2023</a:t>
+              <a:t>19/04/2023</a:t>
             </a:fld>
             <a:endParaRPr lang="fr-NC" dirty="0"/>
           </a:p>
@@ -3287,7 +3288,7 @@
           <a:p>
             <a:fld id="{B8276DAD-75C9-44FB-9654-B8D72D1B3212}" type="datetimeFigureOut">
               <a:rPr lang="fr-NC" smtClean="0"/>
-              <a:t>18/04/2023</a:t>
+              <a:t>19/04/2023</a:t>
             </a:fld>
             <a:endParaRPr lang="fr-NC" dirty="0"/>
           </a:p>
@@ -3467,7 +3468,7 @@
           <a:p>
             <a:fld id="{B8276DAD-75C9-44FB-9654-B8D72D1B3212}" type="datetimeFigureOut">
               <a:rPr lang="fr-NC" smtClean="0"/>
-              <a:t>18/04/2023</a:t>
+              <a:t>19/04/2023</a:t>
             </a:fld>
             <a:endParaRPr lang="fr-NC" dirty="0"/>
           </a:p>
@@ -3756,7 +3757,7 @@
           <a:p>
             <a:fld id="{B8276DAD-75C9-44FB-9654-B8D72D1B3212}" type="datetimeFigureOut">
               <a:rPr lang="fr-NC" smtClean="0"/>
-              <a:t>18/04/2023</a:t>
+              <a:t>19/04/2023</a:t>
             </a:fld>
             <a:endParaRPr lang="fr-NC" dirty="0"/>
           </a:p>
@@ -3998,7 +3999,7 @@
           <a:p>
             <a:fld id="{B8276DAD-75C9-44FB-9654-B8D72D1B3212}" type="datetimeFigureOut">
               <a:rPr lang="fr-NC" smtClean="0"/>
-              <a:t>18/04/2023</a:t>
+              <a:t>19/04/2023</a:t>
             </a:fld>
             <a:endParaRPr lang="fr-NC" dirty="0"/>
           </a:p>
@@ -4377,7 +4378,7 @@
           <a:p>
             <a:fld id="{B8276DAD-75C9-44FB-9654-B8D72D1B3212}" type="datetimeFigureOut">
               <a:rPr lang="fr-NC" smtClean="0"/>
-              <a:t>18/04/2023</a:t>
+              <a:t>19/04/2023</a:t>
             </a:fld>
             <a:endParaRPr lang="fr-NC" dirty="0"/>
           </a:p>
@@ -4495,7 +4496,7 @@
           <a:p>
             <a:fld id="{B8276DAD-75C9-44FB-9654-B8D72D1B3212}" type="datetimeFigureOut">
               <a:rPr lang="fr-NC" smtClean="0"/>
-              <a:t>18/04/2023</a:t>
+              <a:t>19/04/2023</a:t>
             </a:fld>
             <a:endParaRPr lang="fr-NC" dirty="0"/>
           </a:p>
@@ -4590,7 +4591,7 @@
           <a:p>
             <a:fld id="{B8276DAD-75C9-44FB-9654-B8D72D1B3212}" type="datetimeFigureOut">
               <a:rPr lang="fr-NC" smtClean="0"/>
-              <a:t>18/04/2023</a:t>
+              <a:t>19/04/2023</a:t>
             </a:fld>
             <a:endParaRPr lang="fr-NC" dirty="0"/>
           </a:p>
@@ -4839,7 +4840,7 @@
           <a:p>
             <a:fld id="{B8276DAD-75C9-44FB-9654-B8D72D1B3212}" type="datetimeFigureOut">
               <a:rPr lang="fr-NC" smtClean="0"/>
-              <a:t>18/04/2023</a:t>
+              <a:t>19/04/2023</a:t>
             </a:fld>
             <a:endParaRPr lang="fr-NC" dirty="0"/>
           </a:p>
@@ -5096,7 +5097,7 @@
           <a:p>
             <a:fld id="{B8276DAD-75C9-44FB-9654-B8D72D1B3212}" type="datetimeFigureOut">
               <a:rPr lang="fr-NC" smtClean="0"/>
-              <a:t>18/04/2023</a:t>
+              <a:t>19/04/2023</a:t>
             </a:fld>
             <a:endParaRPr lang="fr-NC" dirty="0"/>
           </a:p>
@@ -5339,7 +5340,7 @@
           <a:p>
             <a:fld id="{B8276DAD-75C9-44FB-9654-B8D72D1B3212}" type="datetimeFigureOut">
               <a:rPr lang="fr-NC" smtClean="0"/>
-              <a:t>18/04/2023</a:t>
+              <a:t>19/04/2023</a:t>
             </a:fld>
             <a:endParaRPr lang="fr-NC" dirty="0"/>
           </a:p>
@@ -6220,6 +6221,105 @@
           <p:cNvPr id="2" name="Titre 1">
             <a:extLst>
               <a:ext uri="{FF2B5EF4-FFF2-40B4-BE49-F238E27FC236}">
+                <a16:creationId xmlns:a16="http://schemas.microsoft.com/office/drawing/2014/main" id="{686F2B1E-8C51-0A91-5FFC-675F07B31C28}"/>
+              </a:ext>
+            </a:extLst>
+          </p:cNvPr>
+          <p:cNvSpPr>
+            <a:spLocks noGrp="1"/>
+          </p:cNvSpPr>
+          <p:nvPr>
+            <p:ph type="title"/>
+          </p:nvPr>
+        </p:nvSpPr>
+        <p:spPr>
+          <a:xfrm>
+            <a:off x="1876926" y="764373"/>
+            <a:ext cx="9629274" cy="1293028"/>
+          </a:xfrm>
+        </p:spPr>
+        <p:txBody>
+          <a:bodyPr/>
+          <a:lstStyle/>
+          <a:p>
+            <a:r>
+              <a:rPr lang="fr-FR" dirty="0"/>
+              <a:t>Présentation des fonctionnalités</a:t>
+            </a:r>
+            <a:endParaRPr lang="fr-NC" dirty="0"/>
+          </a:p>
+        </p:txBody>
+      </p:sp>
+      <p:sp>
+        <p:nvSpPr>
+          <p:cNvPr id="3" name="Espace réservé du contenu 2">
+            <a:extLst>
+              <a:ext uri="{FF2B5EF4-FFF2-40B4-BE49-F238E27FC236}">
+                <a16:creationId xmlns:a16="http://schemas.microsoft.com/office/drawing/2014/main" id="{F58844C0-282E-050B-2FED-DC437026241D}"/>
+              </a:ext>
+            </a:extLst>
+          </p:cNvPr>
+          <p:cNvSpPr>
+            <a:spLocks noGrp="1"/>
+          </p:cNvSpPr>
+          <p:nvPr>
+            <p:ph idx="1"/>
+          </p:nvPr>
+        </p:nvSpPr>
+        <p:spPr/>
+        <p:txBody>
+          <a:bodyPr/>
+          <a:lstStyle/>
+          <a:p>
+            <a:r>
+              <a:rPr lang="fr-FR" dirty="0"/>
+              <a:t>Il y a donc en tout 5 fichier python</a:t>
+            </a:r>
+          </a:p>
+          <a:p>
+            <a:r>
+              <a:rPr lang="fr-FR" dirty="0"/>
+              <a:t>Premièrement il y a le fichier main.py qui va gérer le lancement du jeux et lancer le code de fichier jeux.py: </a:t>
+            </a:r>
+            <a:endParaRPr lang="fr-NC" dirty="0"/>
+          </a:p>
+        </p:txBody>
+      </p:sp>
+    </p:spTree>
+    <p:extLst>
+      <p:ext uri="{BB962C8B-B14F-4D97-AF65-F5344CB8AC3E}">
+        <p14:creationId xmlns:p14="http://schemas.microsoft.com/office/powerpoint/2010/main" val="75016271"/>
+      </p:ext>
+    </p:extLst>
+  </p:cSld>
+  <p:clrMapOvr>
+    <a:masterClrMapping/>
+  </p:clrMapOvr>
+</p:sld>
+</file>
+
+<file path=ppt/slides/slide6.xml><?xml version="1.0" encoding="utf-8"?>
+<p:sld xmlns:a="http://schemas.openxmlformats.org/drawingml/2006/main" xmlns:r="http://schemas.openxmlformats.org/officeDocument/2006/relationships" xmlns:p="http://schemas.openxmlformats.org/presentationml/2006/main">
+  <p:cSld>
+    <p:spTree>
+      <p:nvGrpSpPr>
+        <p:cNvPr id="1" name=""/>
+        <p:cNvGrpSpPr/>
+        <p:nvPr/>
+      </p:nvGrpSpPr>
+      <p:grpSpPr>
+        <a:xfrm>
+          <a:off x="0" y="0"/>
+          <a:ext cx="0" cy="0"/>
+          <a:chOff x="0" y="0"/>
+          <a:chExt cx="0" cy="0"/>
+        </a:xfrm>
+      </p:grpSpPr>
+      <p:sp>
+        <p:nvSpPr>
+          <p:cNvPr id="2" name="Titre 1">
+            <a:extLst>
+              <a:ext uri="{FF2B5EF4-FFF2-40B4-BE49-F238E27FC236}">
                 <a16:creationId xmlns:a16="http://schemas.microsoft.com/office/drawing/2014/main" id="{4300958E-0443-FC85-B0C2-D879C7C3F4C4}"/>
               </a:ext>
             </a:extLst>
@@ -6300,7 +6400,7 @@
 </p:sld>
 </file>
 
-<file path=ppt/slides/slide6.xml><?xml version="1.0" encoding="utf-8"?>
+<file path=ppt/slides/slide7.xml><?xml version="1.0" encoding="utf-8"?>
 <p:sld xmlns:a="http://schemas.openxmlformats.org/drawingml/2006/main" xmlns:r="http://schemas.openxmlformats.org/officeDocument/2006/relationships" xmlns:p="http://schemas.openxmlformats.org/presentationml/2006/main">
   <p:cSld>
     <p:spTree>
